--- a/TELECOM CUSTOMER CHURN PREDICTION ANALYSIS.pptx
+++ b/TELECOM CUSTOMER CHURN PREDICTION ANALYSIS.pptx
@@ -1,6 +1,6 @@
 
 <file path=ppt/presentation.xml><?xml version="1.0" encoding="utf-8"?>
-<p:presentation xmlns:a="http://schemas.openxmlformats.org/drawingml/2006/main" xmlns:r="http://schemas.openxmlformats.org/officeDocument/2006/relationships" xmlns:p="http://schemas.openxmlformats.org/presentationml/2006/main" saveSubsetFonts="1">
+<p:presentation xmlns:a="http://schemas.openxmlformats.org/drawingml/2006/main" xmlns:r="http://schemas.openxmlformats.org/officeDocument/2006/relationships" xmlns:p="http://schemas.openxmlformats.org/presentationml/2006/main">
   <p:sldMasterIdLst>
     <p:sldMasterId id="2147483648" r:id="rId1"/>
   </p:sldMasterIdLst>
@@ -118,6 +118,11 @@
       </a:defRPr>
     </a:lvl9pPr>
   </p:defaultTextStyle>
+  <p:extLst>
+    <p:ext uri="{EFAFB233-063F-42B5-8137-9DF3F51BA10A}">
+      <p15:sldGuideLst xmlns:p15="http://schemas.microsoft.com/office/powerpoint/2012/main"/>
+    </p:ext>
+  </p:extLst>
 </p:presentation>
 </file>
 
@@ -140,13 +145,7 @@
       </p:grpSpPr>
       <p:sp>
         <p:nvSpPr>
-          <p:cNvPr id="2" name="Title 1">
-            <a:extLst>
-              <a:ext uri="{FF2B5EF4-FFF2-40B4-BE49-F238E27FC236}">
-                <a16:creationId xmlns:a16="http://schemas.microsoft.com/office/drawing/2014/main" id="{85D7BC75-2869-3CA4-D00A-BC28897556EB}"/>
-              </a:ext>
-            </a:extLst>
-          </p:cNvPr>
+          <p:cNvPr id="2" name="Title 1"/>
           <p:cNvSpPr>
             <a:spLocks noGrp="1"/>
           </p:cNvSpPr>
@@ -177,13 +176,7 @@
       </p:sp>
       <p:sp>
         <p:nvSpPr>
-          <p:cNvPr id="3" name="Subtitle 2">
-            <a:extLst>
-              <a:ext uri="{FF2B5EF4-FFF2-40B4-BE49-F238E27FC236}">
-                <a16:creationId xmlns:a16="http://schemas.microsoft.com/office/drawing/2014/main" id="{3E24F066-D712-3F85-B474-13052336B3EE}"/>
-              </a:ext>
-            </a:extLst>
-          </p:cNvPr>
+          <p:cNvPr id="3" name="Subtitle 2"/>
           <p:cNvSpPr>
             <a:spLocks noGrp="1"/>
           </p:cNvSpPr>
@@ -247,13 +240,7 @@
       </p:sp>
       <p:sp>
         <p:nvSpPr>
-          <p:cNvPr id="4" name="Date Placeholder 3">
-            <a:extLst>
-              <a:ext uri="{FF2B5EF4-FFF2-40B4-BE49-F238E27FC236}">
-                <a16:creationId xmlns:a16="http://schemas.microsoft.com/office/drawing/2014/main" id="{B3446E6F-1AA2-B4FF-5EBB-B9FE1EE71E53}"/>
-              </a:ext>
-            </a:extLst>
-          </p:cNvPr>
+          <p:cNvPr id="4" name="Date Placeholder 3"/>
           <p:cNvSpPr>
             <a:spLocks noGrp="1"/>
           </p:cNvSpPr>
@@ -268,7 +255,7 @@
           <a:p>
             <a:fld id="{6FACAE39-87E7-48CF-84DF-A344463EAE7B}" type="datetimeFigureOut">
               <a:rPr lang="en-US" smtClean="0"/>
-              <a:t>12/12/2025</a:t>
+              <a:t>12/15/2025</a:t>
             </a:fld>
             <a:endParaRPr lang="en-US"/>
           </a:p>
@@ -276,13 +263,7 @@
       </p:sp>
       <p:sp>
         <p:nvSpPr>
-          <p:cNvPr id="5" name="Footer Placeholder 4">
-            <a:extLst>
-              <a:ext uri="{FF2B5EF4-FFF2-40B4-BE49-F238E27FC236}">
-                <a16:creationId xmlns:a16="http://schemas.microsoft.com/office/drawing/2014/main" id="{00F9C767-EB35-6B18-96B1-38DECF4883EE}"/>
-              </a:ext>
-            </a:extLst>
-          </p:cNvPr>
+          <p:cNvPr id="5" name="Footer Placeholder 4"/>
           <p:cNvSpPr>
             <a:spLocks noGrp="1"/>
           </p:cNvSpPr>
@@ -301,13 +282,7 @@
       </p:sp>
       <p:sp>
         <p:nvSpPr>
-          <p:cNvPr id="6" name="Slide Number Placeholder 5">
-            <a:extLst>
-              <a:ext uri="{FF2B5EF4-FFF2-40B4-BE49-F238E27FC236}">
-                <a16:creationId xmlns:a16="http://schemas.microsoft.com/office/drawing/2014/main" id="{3FF1023C-561A-B0F1-DC5D-D12F690B8260}"/>
-              </a:ext>
-            </a:extLst>
-          </p:cNvPr>
+          <p:cNvPr id="6" name="Slide Number Placeholder 5"/>
           <p:cNvSpPr>
             <a:spLocks noGrp="1"/>
           </p:cNvSpPr>
@@ -329,11 +304,6 @@
         </p:txBody>
       </p:sp>
     </p:spTree>
-    <p:extLst>
-      <p:ext uri="{BB962C8B-B14F-4D97-AF65-F5344CB8AC3E}">
-        <p14:creationId xmlns:p14="http://schemas.microsoft.com/office/powerpoint/2010/main" val="3663391619"/>
-      </p:ext>
-    </p:extLst>
   </p:cSld>
   <p:clrMapOvr>
     <a:masterClrMapping/>
@@ -360,13 +330,7 @@
       </p:grpSpPr>
       <p:sp>
         <p:nvSpPr>
-          <p:cNvPr id="2" name="Title 1">
-            <a:extLst>
-              <a:ext uri="{FF2B5EF4-FFF2-40B4-BE49-F238E27FC236}">
-                <a16:creationId xmlns:a16="http://schemas.microsoft.com/office/drawing/2014/main" id="{FE613644-CC25-3884-E253-EEAA6DBED1A5}"/>
-              </a:ext>
-            </a:extLst>
-          </p:cNvPr>
+          <p:cNvPr id="2" name="Title 1"/>
           <p:cNvSpPr>
             <a:spLocks noGrp="1"/>
           </p:cNvSpPr>
@@ -388,13 +352,7 @@
       </p:sp>
       <p:sp>
         <p:nvSpPr>
-          <p:cNvPr id="3" name="Vertical Text Placeholder 2">
-            <a:extLst>
-              <a:ext uri="{FF2B5EF4-FFF2-40B4-BE49-F238E27FC236}">
-                <a16:creationId xmlns:a16="http://schemas.microsoft.com/office/drawing/2014/main" id="{F9ABF7BA-0C79-77F9-EB93-077986BCFBFE}"/>
-              </a:ext>
-            </a:extLst>
-          </p:cNvPr>
+          <p:cNvPr id="3" name="Vertical Text Placeholder 2"/>
           <p:cNvSpPr>
             <a:spLocks noGrp="1"/>
           </p:cNvSpPr>
@@ -445,13 +403,7 @@
       </p:sp>
       <p:sp>
         <p:nvSpPr>
-          <p:cNvPr id="4" name="Date Placeholder 3">
-            <a:extLst>
-              <a:ext uri="{FF2B5EF4-FFF2-40B4-BE49-F238E27FC236}">
-                <a16:creationId xmlns:a16="http://schemas.microsoft.com/office/drawing/2014/main" id="{AA9966C1-D143-B3AA-B746-7A2393FE0D20}"/>
-              </a:ext>
-            </a:extLst>
-          </p:cNvPr>
+          <p:cNvPr id="4" name="Date Placeholder 3"/>
           <p:cNvSpPr>
             <a:spLocks noGrp="1"/>
           </p:cNvSpPr>
@@ -466,7 +418,7 @@
           <a:p>
             <a:fld id="{6FACAE39-87E7-48CF-84DF-A344463EAE7B}" type="datetimeFigureOut">
               <a:rPr lang="en-US" smtClean="0"/>
-              <a:t>12/12/2025</a:t>
+              <a:t>12/15/2025</a:t>
             </a:fld>
             <a:endParaRPr lang="en-US"/>
           </a:p>
@@ -474,13 +426,7 @@
       </p:sp>
       <p:sp>
         <p:nvSpPr>
-          <p:cNvPr id="5" name="Footer Placeholder 4">
-            <a:extLst>
-              <a:ext uri="{FF2B5EF4-FFF2-40B4-BE49-F238E27FC236}">
-                <a16:creationId xmlns:a16="http://schemas.microsoft.com/office/drawing/2014/main" id="{BC9B2340-6996-FF93-0F51-44888B1896C0}"/>
-              </a:ext>
-            </a:extLst>
-          </p:cNvPr>
+          <p:cNvPr id="5" name="Footer Placeholder 4"/>
           <p:cNvSpPr>
             <a:spLocks noGrp="1"/>
           </p:cNvSpPr>
@@ -499,13 +445,7 @@
       </p:sp>
       <p:sp>
         <p:nvSpPr>
-          <p:cNvPr id="6" name="Slide Number Placeholder 5">
-            <a:extLst>
-              <a:ext uri="{FF2B5EF4-FFF2-40B4-BE49-F238E27FC236}">
-                <a16:creationId xmlns:a16="http://schemas.microsoft.com/office/drawing/2014/main" id="{9029DABB-CBCF-EDDE-06FF-BE23296ACC72}"/>
-              </a:ext>
-            </a:extLst>
-          </p:cNvPr>
+          <p:cNvPr id="6" name="Slide Number Placeholder 5"/>
           <p:cNvSpPr>
             <a:spLocks noGrp="1"/>
           </p:cNvSpPr>
@@ -527,11 +467,6 @@
         </p:txBody>
       </p:sp>
     </p:spTree>
-    <p:extLst>
-      <p:ext uri="{BB962C8B-B14F-4D97-AF65-F5344CB8AC3E}">
-        <p14:creationId xmlns:p14="http://schemas.microsoft.com/office/powerpoint/2010/main" val="2867564359"/>
-      </p:ext>
-    </p:extLst>
   </p:cSld>
   <p:clrMapOvr>
     <a:masterClrMapping/>
@@ -558,13 +493,7 @@
       </p:grpSpPr>
       <p:sp>
         <p:nvSpPr>
-          <p:cNvPr id="2" name="Vertical Title 1">
-            <a:extLst>
-              <a:ext uri="{FF2B5EF4-FFF2-40B4-BE49-F238E27FC236}">
-                <a16:creationId xmlns:a16="http://schemas.microsoft.com/office/drawing/2014/main" id="{497B468C-8D0C-D936-6F77-59D36A786F0A}"/>
-              </a:ext>
-            </a:extLst>
-          </p:cNvPr>
+          <p:cNvPr id="2" name="Vertical Title 1"/>
           <p:cNvSpPr>
             <a:spLocks noGrp="1"/>
           </p:cNvSpPr>
@@ -591,13 +520,7 @@
       </p:sp>
       <p:sp>
         <p:nvSpPr>
-          <p:cNvPr id="3" name="Vertical Text Placeholder 2">
-            <a:extLst>
-              <a:ext uri="{FF2B5EF4-FFF2-40B4-BE49-F238E27FC236}">
-                <a16:creationId xmlns:a16="http://schemas.microsoft.com/office/drawing/2014/main" id="{E73B802B-5674-B652-2E41-DB33AC3240BB}"/>
-              </a:ext>
-            </a:extLst>
-          </p:cNvPr>
+          <p:cNvPr id="3" name="Vertical Text Placeholder 2"/>
           <p:cNvSpPr>
             <a:spLocks noGrp="1"/>
           </p:cNvSpPr>
@@ -653,13 +576,7 @@
       </p:sp>
       <p:sp>
         <p:nvSpPr>
-          <p:cNvPr id="4" name="Date Placeholder 3">
-            <a:extLst>
-              <a:ext uri="{FF2B5EF4-FFF2-40B4-BE49-F238E27FC236}">
-                <a16:creationId xmlns:a16="http://schemas.microsoft.com/office/drawing/2014/main" id="{BDF10CBB-1AF7-D142-BF6A-F8393A55ED92}"/>
-              </a:ext>
-            </a:extLst>
-          </p:cNvPr>
+          <p:cNvPr id="4" name="Date Placeholder 3"/>
           <p:cNvSpPr>
             <a:spLocks noGrp="1"/>
           </p:cNvSpPr>
@@ -674,7 +591,7 @@
           <a:p>
             <a:fld id="{6FACAE39-87E7-48CF-84DF-A344463EAE7B}" type="datetimeFigureOut">
               <a:rPr lang="en-US" smtClean="0"/>
-              <a:t>12/12/2025</a:t>
+              <a:t>12/15/2025</a:t>
             </a:fld>
             <a:endParaRPr lang="en-US"/>
           </a:p>
@@ -682,13 +599,7 @@
       </p:sp>
       <p:sp>
         <p:nvSpPr>
-          <p:cNvPr id="5" name="Footer Placeholder 4">
-            <a:extLst>
-              <a:ext uri="{FF2B5EF4-FFF2-40B4-BE49-F238E27FC236}">
-                <a16:creationId xmlns:a16="http://schemas.microsoft.com/office/drawing/2014/main" id="{06D86014-40F9-6D33-54AE-C777F67876FE}"/>
-              </a:ext>
-            </a:extLst>
-          </p:cNvPr>
+          <p:cNvPr id="5" name="Footer Placeholder 4"/>
           <p:cNvSpPr>
             <a:spLocks noGrp="1"/>
           </p:cNvSpPr>
@@ -707,13 +618,7 @@
       </p:sp>
       <p:sp>
         <p:nvSpPr>
-          <p:cNvPr id="6" name="Slide Number Placeholder 5">
-            <a:extLst>
-              <a:ext uri="{FF2B5EF4-FFF2-40B4-BE49-F238E27FC236}">
-                <a16:creationId xmlns:a16="http://schemas.microsoft.com/office/drawing/2014/main" id="{4359320E-4BD5-55AB-8560-07385A9293CC}"/>
-              </a:ext>
-            </a:extLst>
-          </p:cNvPr>
+          <p:cNvPr id="6" name="Slide Number Placeholder 5"/>
           <p:cNvSpPr>
             <a:spLocks noGrp="1"/>
           </p:cNvSpPr>
@@ -735,11 +640,6 @@
         </p:txBody>
       </p:sp>
     </p:spTree>
-    <p:extLst>
-      <p:ext uri="{BB962C8B-B14F-4D97-AF65-F5344CB8AC3E}">
-        <p14:creationId xmlns:p14="http://schemas.microsoft.com/office/powerpoint/2010/main" val="1705743854"/>
-      </p:ext>
-    </p:extLst>
   </p:cSld>
   <p:clrMapOvr>
     <a:masterClrMapping/>
@@ -766,13 +666,7 @@
       </p:grpSpPr>
       <p:sp>
         <p:nvSpPr>
-          <p:cNvPr id="2" name="Title 1">
-            <a:extLst>
-              <a:ext uri="{FF2B5EF4-FFF2-40B4-BE49-F238E27FC236}">
-                <a16:creationId xmlns:a16="http://schemas.microsoft.com/office/drawing/2014/main" id="{244E50EA-9DEF-EBA5-2685-979F5104ACD5}"/>
-              </a:ext>
-            </a:extLst>
-          </p:cNvPr>
+          <p:cNvPr id="2" name="Title 1"/>
           <p:cNvSpPr>
             <a:spLocks noGrp="1"/>
           </p:cNvSpPr>
@@ -794,13 +688,7 @@
       </p:sp>
       <p:sp>
         <p:nvSpPr>
-          <p:cNvPr id="3" name="Content Placeholder 2">
-            <a:extLst>
-              <a:ext uri="{FF2B5EF4-FFF2-40B4-BE49-F238E27FC236}">
-                <a16:creationId xmlns:a16="http://schemas.microsoft.com/office/drawing/2014/main" id="{D7750D3F-8AD1-71BC-719B-B9B349AF9EFF}"/>
-              </a:ext>
-            </a:extLst>
-          </p:cNvPr>
+          <p:cNvPr id="3" name="Content Placeholder 2"/>
           <p:cNvSpPr>
             <a:spLocks noGrp="1"/>
           </p:cNvSpPr>
@@ -851,13 +739,7 @@
       </p:sp>
       <p:sp>
         <p:nvSpPr>
-          <p:cNvPr id="4" name="Date Placeholder 3">
-            <a:extLst>
-              <a:ext uri="{FF2B5EF4-FFF2-40B4-BE49-F238E27FC236}">
-                <a16:creationId xmlns:a16="http://schemas.microsoft.com/office/drawing/2014/main" id="{822D96E7-0FBB-DF2C-CA84-D3872BABCB35}"/>
-              </a:ext>
-            </a:extLst>
-          </p:cNvPr>
+          <p:cNvPr id="4" name="Date Placeholder 3"/>
           <p:cNvSpPr>
             <a:spLocks noGrp="1"/>
           </p:cNvSpPr>
@@ -872,7 +754,7 @@
           <a:p>
             <a:fld id="{6FACAE39-87E7-48CF-84DF-A344463EAE7B}" type="datetimeFigureOut">
               <a:rPr lang="en-US" smtClean="0"/>
-              <a:t>12/12/2025</a:t>
+              <a:t>12/15/2025</a:t>
             </a:fld>
             <a:endParaRPr lang="en-US"/>
           </a:p>
@@ -880,13 +762,7 @@
       </p:sp>
       <p:sp>
         <p:nvSpPr>
-          <p:cNvPr id="5" name="Footer Placeholder 4">
-            <a:extLst>
-              <a:ext uri="{FF2B5EF4-FFF2-40B4-BE49-F238E27FC236}">
-                <a16:creationId xmlns:a16="http://schemas.microsoft.com/office/drawing/2014/main" id="{8520A06C-9AF8-F784-E1FE-A82AEBBEB325}"/>
-              </a:ext>
-            </a:extLst>
-          </p:cNvPr>
+          <p:cNvPr id="5" name="Footer Placeholder 4"/>
           <p:cNvSpPr>
             <a:spLocks noGrp="1"/>
           </p:cNvSpPr>
@@ -905,13 +781,7 @@
       </p:sp>
       <p:sp>
         <p:nvSpPr>
-          <p:cNvPr id="6" name="Slide Number Placeholder 5">
-            <a:extLst>
-              <a:ext uri="{FF2B5EF4-FFF2-40B4-BE49-F238E27FC236}">
-                <a16:creationId xmlns:a16="http://schemas.microsoft.com/office/drawing/2014/main" id="{C4052B27-D7E0-F78C-394A-84DA7F0FBCA0}"/>
-              </a:ext>
-            </a:extLst>
-          </p:cNvPr>
+          <p:cNvPr id="6" name="Slide Number Placeholder 5"/>
           <p:cNvSpPr>
             <a:spLocks noGrp="1"/>
           </p:cNvSpPr>
@@ -933,11 +803,6 @@
         </p:txBody>
       </p:sp>
     </p:spTree>
-    <p:extLst>
-      <p:ext uri="{BB962C8B-B14F-4D97-AF65-F5344CB8AC3E}">
-        <p14:creationId xmlns:p14="http://schemas.microsoft.com/office/powerpoint/2010/main" val="3980859065"/>
-      </p:ext>
-    </p:extLst>
   </p:cSld>
   <p:clrMapOvr>
     <a:masterClrMapping/>
@@ -964,13 +829,7 @@
       </p:grpSpPr>
       <p:sp>
         <p:nvSpPr>
-          <p:cNvPr id="2" name="Title 1">
-            <a:extLst>
-              <a:ext uri="{FF2B5EF4-FFF2-40B4-BE49-F238E27FC236}">
-                <a16:creationId xmlns:a16="http://schemas.microsoft.com/office/drawing/2014/main" id="{C466B6E6-5481-B20B-9F0D-CDD790E9E50E}"/>
-              </a:ext>
-            </a:extLst>
-          </p:cNvPr>
+          <p:cNvPr id="2" name="Title 1"/>
           <p:cNvSpPr>
             <a:spLocks noGrp="1"/>
           </p:cNvSpPr>
@@ -1001,13 +860,7 @@
       </p:sp>
       <p:sp>
         <p:nvSpPr>
-          <p:cNvPr id="3" name="Text Placeholder 2">
-            <a:extLst>
-              <a:ext uri="{FF2B5EF4-FFF2-40B4-BE49-F238E27FC236}">
-                <a16:creationId xmlns:a16="http://schemas.microsoft.com/office/drawing/2014/main" id="{A8C5DB9D-96F6-1925-8FF2-47872C1BAE44}"/>
-              </a:ext>
-            </a:extLst>
-          </p:cNvPr>
+          <p:cNvPr id="3" name="Text Placeholder 2"/>
           <p:cNvSpPr>
             <a:spLocks noGrp="1"/>
           </p:cNvSpPr>
@@ -1126,13 +979,7 @@
       </p:sp>
       <p:sp>
         <p:nvSpPr>
-          <p:cNvPr id="4" name="Date Placeholder 3">
-            <a:extLst>
-              <a:ext uri="{FF2B5EF4-FFF2-40B4-BE49-F238E27FC236}">
-                <a16:creationId xmlns:a16="http://schemas.microsoft.com/office/drawing/2014/main" id="{465DE267-FF4E-29FD-44E4-EA8DCA6B0E7D}"/>
-              </a:ext>
-            </a:extLst>
-          </p:cNvPr>
+          <p:cNvPr id="4" name="Date Placeholder 3"/>
           <p:cNvSpPr>
             <a:spLocks noGrp="1"/>
           </p:cNvSpPr>
@@ -1147,7 +994,7 @@
           <a:p>
             <a:fld id="{6FACAE39-87E7-48CF-84DF-A344463EAE7B}" type="datetimeFigureOut">
               <a:rPr lang="en-US" smtClean="0"/>
-              <a:t>12/12/2025</a:t>
+              <a:t>12/15/2025</a:t>
             </a:fld>
             <a:endParaRPr lang="en-US"/>
           </a:p>
@@ -1155,13 +1002,7 @@
       </p:sp>
       <p:sp>
         <p:nvSpPr>
-          <p:cNvPr id="5" name="Footer Placeholder 4">
-            <a:extLst>
-              <a:ext uri="{FF2B5EF4-FFF2-40B4-BE49-F238E27FC236}">
-                <a16:creationId xmlns:a16="http://schemas.microsoft.com/office/drawing/2014/main" id="{E7387E6B-DC12-EDB3-DB08-6F37E721FD2D}"/>
-              </a:ext>
-            </a:extLst>
-          </p:cNvPr>
+          <p:cNvPr id="5" name="Footer Placeholder 4"/>
           <p:cNvSpPr>
             <a:spLocks noGrp="1"/>
           </p:cNvSpPr>
@@ -1180,13 +1021,7 @@
       </p:sp>
       <p:sp>
         <p:nvSpPr>
-          <p:cNvPr id="6" name="Slide Number Placeholder 5">
-            <a:extLst>
-              <a:ext uri="{FF2B5EF4-FFF2-40B4-BE49-F238E27FC236}">
-                <a16:creationId xmlns:a16="http://schemas.microsoft.com/office/drawing/2014/main" id="{80CCC757-896A-3465-9486-A8E5A64D48FD}"/>
-              </a:ext>
-            </a:extLst>
-          </p:cNvPr>
+          <p:cNvPr id="6" name="Slide Number Placeholder 5"/>
           <p:cNvSpPr>
             <a:spLocks noGrp="1"/>
           </p:cNvSpPr>
@@ -1208,11 +1043,6 @@
         </p:txBody>
       </p:sp>
     </p:spTree>
-    <p:extLst>
-      <p:ext uri="{BB962C8B-B14F-4D97-AF65-F5344CB8AC3E}">
-        <p14:creationId xmlns:p14="http://schemas.microsoft.com/office/powerpoint/2010/main" val="626967895"/>
-      </p:ext>
-    </p:extLst>
   </p:cSld>
   <p:clrMapOvr>
     <a:masterClrMapping/>
@@ -1239,13 +1069,7 @@
       </p:grpSpPr>
       <p:sp>
         <p:nvSpPr>
-          <p:cNvPr id="2" name="Title 1">
-            <a:extLst>
-              <a:ext uri="{FF2B5EF4-FFF2-40B4-BE49-F238E27FC236}">
-                <a16:creationId xmlns:a16="http://schemas.microsoft.com/office/drawing/2014/main" id="{33327C51-4761-015A-55D9-A3B7848996B2}"/>
-              </a:ext>
-            </a:extLst>
-          </p:cNvPr>
+          <p:cNvPr id="2" name="Title 1"/>
           <p:cNvSpPr>
             <a:spLocks noGrp="1"/>
           </p:cNvSpPr>
@@ -1267,13 +1091,7 @@
       </p:sp>
       <p:sp>
         <p:nvSpPr>
-          <p:cNvPr id="3" name="Content Placeholder 2">
-            <a:extLst>
-              <a:ext uri="{FF2B5EF4-FFF2-40B4-BE49-F238E27FC236}">
-                <a16:creationId xmlns:a16="http://schemas.microsoft.com/office/drawing/2014/main" id="{CD21E853-3ADB-FF64-FCB7-705EABFB2B92}"/>
-              </a:ext>
-            </a:extLst>
-          </p:cNvPr>
+          <p:cNvPr id="3" name="Content Placeholder 2"/>
           <p:cNvSpPr>
             <a:spLocks noGrp="1"/>
           </p:cNvSpPr>
@@ -1329,13 +1147,7 @@
       </p:sp>
       <p:sp>
         <p:nvSpPr>
-          <p:cNvPr id="4" name="Content Placeholder 3">
-            <a:extLst>
-              <a:ext uri="{FF2B5EF4-FFF2-40B4-BE49-F238E27FC236}">
-                <a16:creationId xmlns:a16="http://schemas.microsoft.com/office/drawing/2014/main" id="{CA2AAE07-B4D4-EC7D-2E74-3071EC8FBB72}"/>
-              </a:ext>
-            </a:extLst>
-          </p:cNvPr>
+          <p:cNvPr id="4" name="Content Placeholder 3"/>
           <p:cNvSpPr>
             <a:spLocks noGrp="1"/>
           </p:cNvSpPr>
@@ -1391,13 +1203,7 @@
       </p:sp>
       <p:sp>
         <p:nvSpPr>
-          <p:cNvPr id="5" name="Date Placeholder 4">
-            <a:extLst>
-              <a:ext uri="{FF2B5EF4-FFF2-40B4-BE49-F238E27FC236}">
-                <a16:creationId xmlns:a16="http://schemas.microsoft.com/office/drawing/2014/main" id="{47DBF419-66BE-DA22-EFC3-AE75CDB3213F}"/>
-              </a:ext>
-            </a:extLst>
-          </p:cNvPr>
+          <p:cNvPr id="5" name="Date Placeholder 4"/>
           <p:cNvSpPr>
             <a:spLocks noGrp="1"/>
           </p:cNvSpPr>
@@ -1412,7 +1218,7 @@
           <a:p>
             <a:fld id="{6FACAE39-87E7-48CF-84DF-A344463EAE7B}" type="datetimeFigureOut">
               <a:rPr lang="en-US" smtClean="0"/>
-              <a:t>12/12/2025</a:t>
+              <a:t>12/15/2025</a:t>
             </a:fld>
             <a:endParaRPr lang="en-US"/>
           </a:p>
@@ -1420,13 +1226,7 @@
       </p:sp>
       <p:sp>
         <p:nvSpPr>
-          <p:cNvPr id="6" name="Footer Placeholder 5">
-            <a:extLst>
-              <a:ext uri="{FF2B5EF4-FFF2-40B4-BE49-F238E27FC236}">
-                <a16:creationId xmlns:a16="http://schemas.microsoft.com/office/drawing/2014/main" id="{9436FF21-B528-2337-26B2-EFA049487033}"/>
-              </a:ext>
-            </a:extLst>
-          </p:cNvPr>
+          <p:cNvPr id="6" name="Footer Placeholder 5"/>
           <p:cNvSpPr>
             <a:spLocks noGrp="1"/>
           </p:cNvSpPr>
@@ -1445,13 +1245,7 @@
       </p:sp>
       <p:sp>
         <p:nvSpPr>
-          <p:cNvPr id="7" name="Slide Number Placeholder 6">
-            <a:extLst>
-              <a:ext uri="{FF2B5EF4-FFF2-40B4-BE49-F238E27FC236}">
-                <a16:creationId xmlns:a16="http://schemas.microsoft.com/office/drawing/2014/main" id="{67F40F92-C195-C726-A28E-2E9FB9E2AFA7}"/>
-              </a:ext>
-            </a:extLst>
-          </p:cNvPr>
+          <p:cNvPr id="7" name="Slide Number Placeholder 6"/>
           <p:cNvSpPr>
             <a:spLocks noGrp="1"/>
           </p:cNvSpPr>
@@ -1473,11 +1267,6 @@
         </p:txBody>
       </p:sp>
     </p:spTree>
-    <p:extLst>
-      <p:ext uri="{BB962C8B-B14F-4D97-AF65-F5344CB8AC3E}">
-        <p14:creationId xmlns:p14="http://schemas.microsoft.com/office/powerpoint/2010/main" val="2323754483"/>
-      </p:ext>
-    </p:extLst>
   </p:cSld>
   <p:clrMapOvr>
     <a:masterClrMapping/>
@@ -1504,13 +1293,7 @@
       </p:grpSpPr>
       <p:sp>
         <p:nvSpPr>
-          <p:cNvPr id="2" name="Title 1">
-            <a:extLst>
-              <a:ext uri="{FF2B5EF4-FFF2-40B4-BE49-F238E27FC236}">
-                <a16:creationId xmlns:a16="http://schemas.microsoft.com/office/drawing/2014/main" id="{3391DB28-FB70-6F33-AAD2-BE44A8EF4075}"/>
-              </a:ext>
-            </a:extLst>
-          </p:cNvPr>
+          <p:cNvPr id="2" name="Title 1"/>
           <p:cNvSpPr>
             <a:spLocks noGrp="1"/>
           </p:cNvSpPr>
@@ -1537,13 +1320,7 @@
       </p:sp>
       <p:sp>
         <p:nvSpPr>
-          <p:cNvPr id="3" name="Text Placeholder 2">
-            <a:extLst>
-              <a:ext uri="{FF2B5EF4-FFF2-40B4-BE49-F238E27FC236}">
-                <a16:creationId xmlns:a16="http://schemas.microsoft.com/office/drawing/2014/main" id="{FCF857EB-1FF9-5106-6253-1C854DB339D1}"/>
-              </a:ext>
-            </a:extLst>
-          </p:cNvPr>
+          <p:cNvPr id="3" name="Text Placeholder 2"/>
           <p:cNvSpPr>
             <a:spLocks noGrp="1"/>
           </p:cNvSpPr>
@@ -1608,13 +1385,7 @@
       </p:sp>
       <p:sp>
         <p:nvSpPr>
-          <p:cNvPr id="4" name="Content Placeholder 3">
-            <a:extLst>
-              <a:ext uri="{FF2B5EF4-FFF2-40B4-BE49-F238E27FC236}">
-                <a16:creationId xmlns:a16="http://schemas.microsoft.com/office/drawing/2014/main" id="{A68CCFAE-BDC8-C88A-8FD4-B6C57A2443EE}"/>
-              </a:ext>
-            </a:extLst>
-          </p:cNvPr>
+          <p:cNvPr id="4" name="Content Placeholder 3"/>
           <p:cNvSpPr>
             <a:spLocks noGrp="1"/>
           </p:cNvSpPr>
@@ -1670,13 +1441,7 @@
       </p:sp>
       <p:sp>
         <p:nvSpPr>
-          <p:cNvPr id="5" name="Text Placeholder 4">
-            <a:extLst>
-              <a:ext uri="{FF2B5EF4-FFF2-40B4-BE49-F238E27FC236}">
-                <a16:creationId xmlns:a16="http://schemas.microsoft.com/office/drawing/2014/main" id="{8FCC7CC6-EDD0-CFA1-3DDC-ACB12BB409AD}"/>
-              </a:ext>
-            </a:extLst>
-          </p:cNvPr>
+          <p:cNvPr id="5" name="Text Placeholder 4"/>
           <p:cNvSpPr>
             <a:spLocks noGrp="1"/>
           </p:cNvSpPr>
@@ -1741,13 +1506,7 @@
       </p:sp>
       <p:sp>
         <p:nvSpPr>
-          <p:cNvPr id="6" name="Content Placeholder 5">
-            <a:extLst>
-              <a:ext uri="{FF2B5EF4-FFF2-40B4-BE49-F238E27FC236}">
-                <a16:creationId xmlns:a16="http://schemas.microsoft.com/office/drawing/2014/main" id="{DB41A2EA-8AEF-4574-E055-20D5A12D90C2}"/>
-              </a:ext>
-            </a:extLst>
-          </p:cNvPr>
+          <p:cNvPr id="6" name="Content Placeholder 5"/>
           <p:cNvSpPr>
             <a:spLocks noGrp="1"/>
           </p:cNvSpPr>
@@ -1803,13 +1562,7 @@
       </p:sp>
       <p:sp>
         <p:nvSpPr>
-          <p:cNvPr id="7" name="Date Placeholder 6">
-            <a:extLst>
-              <a:ext uri="{FF2B5EF4-FFF2-40B4-BE49-F238E27FC236}">
-                <a16:creationId xmlns:a16="http://schemas.microsoft.com/office/drawing/2014/main" id="{B8098F06-84DA-D02D-E5B3-C5B42E588C2D}"/>
-              </a:ext>
-            </a:extLst>
-          </p:cNvPr>
+          <p:cNvPr id="7" name="Date Placeholder 6"/>
           <p:cNvSpPr>
             <a:spLocks noGrp="1"/>
           </p:cNvSpPr>
@@ -1824,7 +1577,7 @@
           <a:p>
             <a:fld id="{6FACAE39-87E7-48CF-84DF-A344463EAE7B}" type="datetimeFigureOut">
               <a:rPr lang="en-US" smtClean="0"/>
-              <a:t>12/12/2025</a:t>
+              <a:t>12/15/2025</a:t>
             </a:fld>
             <a:endParaRPr lang="en-US"/>
           </a:p>
@@ -1832,13 +1585,7 @@
       </p:sp>
       <p:sp>
         <p:nvSpPr>
-          <p:cNvPr id="8" name="Footer Placeholder 7">
-            <a:extLst>
-              <a:ext uri="{FF2B5EF4-FFF2-40B4-BE49-F238E27FC236}">
-                <a16:creationId xmlns:a16="http://schemas.microsoft.com/office/drawing/2014/main" id="{9C6CC77F-45E0-D6ED-8E61-CB1809AA77A4}"/>
-              </a:ext>
-            </a:extLst>
-          </p:cNvPr>
+          <p:cNvPr id="8" name="Footer Placeholder 7"/>
           <p:cNvSpPr>
             <a:spLocks noGrp="1"/>
           </p:cNvSpPr>
@@ -1857,13 +1604,7 @@
       </p:sp>
       <p:sp>
         <p:nvSpPr>
-          <p:cNvPr id="9" name="Slide Number Placeholder 8">
-            <a:extLst>
-              <a:ext uri="{FF2B5EF4-FFF2-40B4-BE49-F238E27FC236}">
-                <a16:creationId xmlns:a16="http://schemas.microsoft.com/office/drawing/2014/main" id="{371F5F3A-34E2-B57D-0A0B-AF5A458E9FC5}"/>
-              </a:ext>
-            </a:extLst>
-          </p:cNvPr>
+          <p:cNvPr id="9" name="Slide Number Placeholder 8"/>
           <p:cNvSpPr>
             <a:spLocks noGrp="1"/>
           </p:cNvSpPr>
@@ -1885,11 +1626,6 @@
         </p:txBody>
       </p:sp>
     </p:spTree>
-    <p:extLst>
-      <p:ext uri="{BB962C8B-B14F-4D97-AF65-F5344CB8AC3E}">
-        <p14:creationId xmlns:p14="http://schemas.microsoft.com/office/powerpoint/2010/main" val="3941395572"/>
-      </p:ext>
-    </p:extLst>
   </p:cSld>
   <p:clrMapOvr>
     <a:masterClrMapping/>
@@ -1916,13 +1652,7 @@
       </p:grpSpPr>
       <p:sp>
         <p:nvSpPr>
-          <p:cNvPr id="2" name="Title 1">
-            <a:extLst>
-              <a:ext uri="{FF2B5EF4-FFF2-40B4-BE49-F238E27FC236}">
-                <a16:creationId xmlns:a16="http://schemas.microsoft.com/office/drawing/2014/main" id="{A3220784-ABCB-9BD1-3956-1DC6FD6F2766}"/>
-              </a:ext>
-            </a:extLst>
-          </p:cNvPr>
+          <p:cNvPr id="2" name="Title 1"/>
           <p:cNvSpPr>
             <a:spLocks noGrp="1"/>
           </p:cNvSpPr>
@@ -1944,13 +1674,7 @@
       </p:sp>
       <p:sp>
         <p:nvSpPr>
-          <p:cNvPr id="3" name="Date Placeholder 2">
-            <a:extLst>
-              <a:ext uri="{FF2B5EF4-FFF2-40B4-BE49-F238E27FC236}">
-                <a16:creationId xmlns:a16="http://schemas.microsoft.com/office/drawing/2014/main" id="{D1E7A5C3-63B4-FF28-2DB0-A61DEDDBEDEE}"/>
-              </a:ext>
-            </a:extLst>
-          </p:cNvPr>
+          <p:cNvPr id="3" name="Date Placeholder 2"/>
           <p:cNvSpPr>
             <a:spLocks noGrp="1"/>
           </p:cNvSpPr>
@@ -1965,7 +1689,7 @@
           <a:p>
             <a:fld id="{6FACAE39-87E7-48CF-84DF-A344463EAE7B}" type="datetimeFigureOut">
               <a:rPr lang="en-US" smtClean="0"/>
-              <a:t>12/12/2025</a:t>
+              <a:t>12/15/2025</a:t>
             </a:fld>
             <a:endParaRPr lang="en-US"/>
           </a:p>
@@ -1973,13 +1697,7 @@
       </p:sp>
       <p:sp>
         <p:nvSpPr>
-          <p:cNvPr id="4" name="Footer Placeholder 3">
-            <a:extLst>
-              <a:ext uri="{FF2B5EF4-FFF2-40B4-BE49-F238E27FC236}">
-                <a16:creationId xmlns:a16="http://schemas.microsoft.com/office/drawing/2014/main" id="{3B15313F-1D15-70AA-1573-B0E8ECE0E123}"/>
-              </a:ext>
-            </a:extLst>
-          </p:cNvPr>
+          <p:cNvPr id="4" name="Footer Placeholder 3"/>
           <p:cNvSpPr>
             <a:spLocks noGrp="1"/>
           </p:cNvSpPr>
@@ -1998,13 +1716,7 @@
       </p:sp>
       <p:sp>
         <p:nvSpPr>
-          <p:cNvPr id="5" name="Slide Number Placeholder 4">
-            <a:extLst>
-              <a:ext uri="{FF2B5EF4-FFF2-40B4-BE49-F238E27FC236}">
-                <a16:creationId xmlns:a16="http://schemas.microsoft.com/office/drawing/2014/main" id="{4E314D4C-E73F-267F-65A6-DA0DDEF31D7B}"/>
-              </a:ext>
-            </a:extLst>
-          </p:cNvPr>
+          <p:cNvPr id="5" name="Slide Number Placeholder 4"/>
           <p:cNvSpPr>
             <a:spLocks noGrp="1"/>
           </p:cNvSpPr>
@@ -2026,11 +1738,6 @@
         </p:txBody>
       </p:sp>
     </p:spTree>
-    <p:extLst>
-      <p:ext uri="{BB962C8B-B14F-4D97-AF65-F5344CB8AC3E}">
-        <p14:creationId xmlns:p14="http://schemas.microsoft.com/office/powerpoint/2010/main" val="1406607851"/>
-      </p:ext>
-    </p:extLst>
   </p:cSld>
   <p:clrMapOvr>
     <a:masterClrMapping/>
@@ -2057,13 +1764,7 @@
       </p:grpSpPr>
       <p:sp>
         <p:nvSpPr>
-          <p:cNvPr id="2" name="Date Placeholder 1">
-            <a:extLst>
-              <a:ext uri="{FF2B5EF4-FFF2-40B4-BE49-F238E27FC236}">
-                <a16:creationId xmlns:a16="http://schemas.microsoft.com/office/drawing/2014/main" id="{67FFE4CE-88D2-0D5D-F21D-4F8EF807282A}"/>
-              </a:ext>
-            </a:extLst>
-          </p:cNvPr>
+          <p:cNvPr id="2" name="Date Placeholder 1"/>
           <p:cNvSpPr>
             <a:spLocks noGrp="1"/>
           </p:cNvSpPr>
@@ -2078,7 +1779,7 @@
           <a:p>
             <a:fld id="{6FACAE39-87E7-48CF-84DF-A344463EAE7B}" type="datetimeFigureOut">
               <a:rPr lang="en-US" smtClean="0"/>
-              <a:t>12/12/2025</a:t>
+              <a:t>12/15/2025</a:t>
             </a:fld>
             <a:endParaRPr lang="en-US"/>
           </a:p>
@@ -2086,13 +1787,7 @@
       </p:sp>
       <p:sp>
         <p:nvSpPr>
-          <p:cNvPr id="3" name="Footer Placeholder 2">
-            <a:extLst>
-              <a:ext uri="{FF2B5EF4-FFF2-40B4-BE49-F238E27FC236}">
-                <a16:creationId xmlns:a16="http://schemas.microsoft.com/office/drawing/2014/main" id="{FF810A0E-295F-CD7C-E759-4C7381163824}"/>
-              </a:ext>
-            </a:extLst>
-          </p:cNvPr>
+          <p:cNvPr id="3" name="Footer Placeholder 2"/>
           <p:cNvSpPr>
             <a:spLocks noGrp="1"/>
           </p:cNvSpPr>
@@ -2111,13 +1806,7 @@
       </p:sp>
       <p:sp>
         <p:nvSpPr>
-          <p:cNvPr id="4" name="Slide Number Placeholder 3">
-            <a:extLst>
-              <a:ext uri="{FF2B5EF4-FFF2-40B4-BE49-F238E27FC236}">
-                <a16:creationId xmlns:a16="http://schemas.microsoft.com/office/drawing/2014/main" id="{C7EECE3B-B905-B883-1054-3DE6F76F885E}"/>
-              </a:ext>
-            </a:extLst>
-          </p:cNvPr>
+          <p:cNvPr id="4" name="Slide Number Placeholder 3"/>
           <p:cNvSpPr>
             <a:spLocks noGrp="1"/>
           </p:cNvSpPr>
@@ -2139,11 +1828,6 @@
         </p:txBody>
       </p:sp>
     </p:spTree>
-    <p:extLst>
-      <p:ext uri="{BB962C8B-B14F-4D97-AF65-F5344CB8AC3E}">
-        <p14:creationId xmlns:p14="http://schemas.microsoft.com/office/powerpoint/2010/main" val="3897691480"/>
-      </p:ext>
-    </p:extLst>
   </p:cSld>
   <p:clrMapOvr>
     <a:masterClrMapping/>
@@ -2170,13 +1854,7 @@
       </p:grpSpPr>
       <p:sp>
         <p:nvSpPr>
-          <p:cNvPr id="2" name="Title 1">
-            <a:extLst>
-              <a:ext uri="{FF2B5EF4-FFF2-40B4-BE49-F238E27FC236}">
-                <a16:creationId xmlns:a16="http://schemas.microsoft.com/office/drawing/2014/main" id="{FD815E31-1A37-B5CA-CB49-7C51CB2FB262}"/>
-              </a:ext>
-            </a:extLst>
-          </p:cNvPr>
+          <p:cNvPr id="2" name="Title 1"/>
           <p:cNvSpPr>
             <a:spLocks noGrp="1"/>
           </p:cNvSpPr>
@@ -2207,13 +1885,7 @@
       </p:sp>
       <p:sp>
         <p:nvSpPr>
-          <p:cNvPr id="3" name="Content Placeholder 2">
-            <a:extLst>
-              <a:ext uri="{FF2B5EF4-FFF2-40B4-BE49-F238E27FC236}">
-                <a16:creationId xmlns:a16="http://schemas.microsoft.com/office/drawing/2014/main" id="{F622147C-217D-E673-B46D-87D22093F831}"/>
-              </a:ext>
-            </a:extLst>
-          </p:cNvPr>
+          <p:cNvPr id="3" name="Content Placeholder 2"/>
           <p:cNvSpPr>
             <a:spLocks noGrp="1"/>
           </p:cNvSpPr>
@@ -2297,13 +1969,7 @@
       </p:sp>
       <p:sp>
         <p:nvSpPr>
-          <p:cNvPr id="4" name="Text Placeholder 3">
-            <a:extLst>
-              <a:ext uri="{FF2B5EF4-FFF2-40B4-BE49-F238E27FC236}">
-                <a16:creationId xmlns:a16="http://schemas.microsoft.com/office/drawing/2014/main" id="{A7AA3B54-7B37-158D-859D-BEC67DAE959E}"/>
-              </a:ext>
-            </a:extLst>
-          </p:cNvPr>
+          <p:cNvPr id="4" name="Text Placeholder 3"/>
           <p:cNvSpPr>
             <a:spLocks noGrp="1"/>
           </p:cNvSpPr>
@@ -2368,13 +2034,7 @@
       </p:sp>
       <p:sp>
         <p:nvSpPr>
-          <p:cNvPr id="5" name="Date Placeholder 4">
-            <a:extLst>
-              <a:ext uri="{FF2B5EF4-FFF2-40B4-BE49-F238E27FC236}">
-                <a16:creationId xmlns:a16="http://schemas.microsoft.com/office/drawing/2014/main" id="{513A5C18-88DF-EDB9-1027-D9D78117C894}"/>
-              </a:ext>
-            </a:extLst>
-          </p:cNvPr>
+          <p:cNvPr id="5" name="Date Placeholder 4"/>
           <p:cNvSpPr>
             <a:spLocks noGrp="1"/>
           </p:cNvSpPr>
@@ -2389,7 +2049,7 @@
           <a:p>
             <a:fld id="{6FACAE39-87E7-48CF-84DF-A344463EAE7B}" type="datetimeFigureOut">
               <a:rPr lang="en-US" smtClean="0"/>
-              <a:t>12/12/2025</a:t>
+              <a:t>12/15/2025</a:t>
             </a:fld>
             <a:endParaRPr lang="en-US"/>
           </a:p>
@@ -2397,13 +2057,7 @@
       </p:sp>
       <p:sp>
         <p:nvSpPr>
-          <p:cNvPr id="6" name="Footer Placeholder 5">
-            <a:extLst>
-              <a:ext uri="{FF2B5EF4-FFF2-40B4-BE49-F238E27FC236}">
-                <a16:creationId xmlns:a16="http://schemas.microsoft.com/office/drawing/2014/main" id="{FD8715AD-000B-298A-4B7A-34B2303297B1}"/>
-              </a:ext>
-            </a:extLst>
-          </p:cNvPr>
+          <p:cNvPr id="6" name="Footer Placeholder 5"/>
           <p:cNvSpPr>
             <a:spLocks noGrp="1"/>
           </p:cNvSpPr>
@@ -2422,13 +2076,7 @@
       </p:sp>
       <p:sp>
         <p:nvSpPr>
-          <p:cNvPr id="7" name="Slide Number Placeholder 6">
-            <a:extLst>
-              <a:ext uri="{FF2B5EF4-FFF2-40B4-BE49-F238E27FC236}">
-                <a16:creationId xmlns:a16="http://schemas.microsoft.com/office/drawing/2014/main" id="{7B8FADEE-2BE4-F1C1-A6CA-15935219FA6A}"/>
-              </a:ext>
-            </a:extLst>
-          </p:cNvPr>
+          <p:cNvPr id="7" name="Slide Number Placeholder 6"/>
           <p:cNvSpPr>
             <a:spLocks noGrp="1"/>
           </p:cNvSpPr>
@@ -2450,11 +2098,6 @@
         </p:txBody>
       </p:sp>
     </p:spTree>
-    <p:extLst>
-      <p:ext uri="{BB962C8B-B14F-4D97-AF65-F5344CB8AC3E}">
-        <p14:creationId xmlns:p14="http://schemas.microsoft.com/office/powerpoint/2010/main" val="967583397"/>
-      </p:ext>
-    </p:extLst>
   </p:cSld>
   <p:clrMapOvr>
     <a:masterClrMapping/>
@@ -2481,13 +2124,7 @@
       </p:grpSpPr>
       <p:sp>
         <p:nvSpPr>
-          <p:cNvPr id="2" name="Title 1">
-            <a:extLst>
-              <a:ext uri="{FF2B5EF4-FFF2-40B4-BE49-F238E27FC236}">
-                <a16:creationId xmlns:a16="http://schemas.microsoft.com/office/drawing/2014/main" id="{DA27AD95-2882-FB4D-C736-2E2C20DAE1A7}"/>
-              </a:ext>
-            </a:extLst>
-          </p:cNvPr>
+          <p:cNvPr id="2" name="Title 1"/>
           <p:cNvSpPr>
             <a:spLocks noGrp="1"/>
           </p:cNvSpPr>
@@ -2518,13 +2155,7 @@
       </p:sp>
       <p:sp>
         <p:nvSpPr>
-          <p:cNvPr id="3" name="Picture Placeholder 2">
-            <a:extLst>
-              <a:ext uri="{FF2B5EF4-FFF2-40B4-BE49-F238E27FC236}">
-                <a16:creationId xmlns:a16="http://schemas.microsoft.com/office/drawing/2014/main" id="{B28C445F-E8F3-98DA-1BD8-0E695C24E75E}"/>
-              </a:ext>
-            </a:extLst>
-          </p:cNvPr>
+          <p:cNvPr id="3" name="Picture Placeholder 2"/>
           <p:cNvSpPr>
             <a:spLocks noGrp="1"/>
           </p:cNvSpPr>
@@ -2585,13 +2216,7 @@
       </p:sp>
       <p:sp>
         <p:nvSpPr>
-          <p:cNvPr id="4" name="Text Placeholder 3">
-            <a:extLst>
-              <a:ext uri="{FF2B5EF4-FFF2-40B4-BE49-F238E27FC236}">
-                <a16:creationId xmlns:a16="http://schemas.microsoft.com/office/drawing/2014/main" id="{A8B6D1BB-1298-EBF8-0BC4-B8CEA4495330}"/>
-              </a:ext>
-            </a:extLst>
-          </p:cNvPr>
+          <p:cNvPr id="4" name="Text Placeholder 3"/>
           <p:cNvSpPr>
             <a:spLocks noGrp="1"/>
           </p:cNvSpPr>
@@ -2656,13 +2281,7 @@
       </p:sp>
       <p:sp>
         <p:nvSpPr>
-          <p:cNvPr id="5" name="Date Placeholder 4">
-            <a:extLst>
-              <a:ext uri="{FF2B5EF4-FFF2-40B4-BE49-F238E27FC236}">
-                <a16:creationId xmlns:a16="http://schemas.microsoft.com/office/drawing/2014/main" id="{9F221936-90B0-B296-7C60-C23F7886E4C5}"/>
-              </a:ext>
-            </a:extLst>
-          </p:cNvPr>
+          <p:cNvPr id="5" name="Date Placeholder 4"/>
           <p:cNvSpPr>
             <a:spLocks noGrp="1"/>
           </p:cNvSpPr>
@@ -2677,7 +2296,7 @@
           <a:p>
             <a:fld id="{6FACAE39-87E7-48CF-84DF-A344463EAE7B}" type="datetimeFigureOut">
               <a:rPr lang="en-US" smtClean="0"/>
-              <a:t>12/12/2025</a:t>
+              <a:t>12/15/2025</a:t>
             </a:fld>
             <a:endParaRPr lang="en-US"/>
           </a:p>
@@ -2685,13 +2304,7 @@
       </p:sp>
       <p:sp>
         <p:nvSpPr>
-          <p:cNvPr id="6" name="Footer Placeholder 5">
-            <a:extLst>
-              <a:ext uri="{FF2B5EF4-FFF2-40B4-BE49-F238E27FC236}">
-                <a16:creationId xmlns:a16="http://schemas.microsoft.com/office/drawing/2014/main" id="{D95D3A26-1AE4-0EDE-2CDF-5E6E708D559E}"/>
-              </a:ext>
-            </a:extLst>
-          </p:cNvPr>
+          <p:cNvPr id="6" name="Footer Placeholder 5"/>
           <p:cNvSpPr>
             <a:spLocks noGrp="1"/>
           </p:cNvSpPr>
@@ -2710,13 +2323,7 @@
       </p:sp>
       <p:sp>
         <p:nvSpPr>
-          <p:cNvPr id="7" name="Slide Number Placeholder 6">
-            <a:extLst>
-              <a:ext uri="{FF2B5EF4-FFF2-40B4-BE49-F238E27FC236}">
-                <a16:creationId xmlns:a16="http://schemas.microsoft.com/office/drawing/2014/main" id="{D6F06F49-5995-F721-E0BE-9D10CB0AD30D}"/>
-              </a:ext>
-            </a:extLst>
-          </p:cNvPr>
+          <p:cNvPr id="7" name="Slide Number Placeholder 6"/>
           <p:cNvSpPr>
             <a:spLocks noGrp="1"/>
           </p:cNvSpPr>
@@ -2738,11 +2345,6 @@
         </p:txBody>
       </p:sp>
     </p:spTree>
-    <p:extLst>
-      <p:ext uri="{BB962C8B-B14F-4D97-AF65-F5344CB8AC3E}">
-        <p14:creationId xmlns:p14="http://schemas.microsoft.com/office/powerpoint/2010/main" val="3287441536"/>
-      </p:ext>
-    </p:extLst>
   </p:cSld>
   <p:clrMapOvr>
     <a:masterClrMapping/>
@@ -2774,13 +2376,7 @@
       </p:grpSpPr>
       <p:sp>
         <p:nvSpPr>
-          <p:cNvPr id="2" name="Title Placeholder 1">
-            <a:extLst>
-              <a:ext uri="{FF2B5EF4-FFF2-40B4-BE49-F238E27FC236}">
-                <a16:creationId xmlns:a16="http://schemas.microsoft.com/office/drawing/2014/main" id="{0F67D315-46F8-0049-8758-72B360B89506}"/>
-              </a:ext>
-            </a:extLst>
-          </p:cNvPr>
+          <p:cNvPr id="2" name="Title Placeholder 1"/>
           <p:cNvSpPr>
             <a:spLocks noGrp="1"/>
           </p:cNvSpPr>
@@ -2812,13 +2408,7 @@
       </p:sp>
       <p:sp>
         <p:nvSpPr>
-          <p:cNvPr id="3" name="Text Placeholder 2">
-            <a:extLst>
-              <a:ext uri="{FF2B5EF4-FFF2-40B4-BE49-F238E27FC236}">
-                <a16:creationId xmlns:a16="http://schemas.microsoft.com/office/drawing/2014/main" id="{AFFD9D13-46F0-8151-69B0-FCFAF419D1E3}"/>
-              </a:ext>
-            </a:extLst>
-          </p:cNvPr>
+          <p:cNvPr id="3" name="Text Placeholder 2"/>
           <p:cNvSpPr>
             <a:spLocks noGrp="1"/>
           </p:cNvSpPr>
@@ -2879,13 +2469,7 @@
       </p:sp>
       <p:sp>
         <p:nvSpPr>
-          <p:cNvPr id="4" name="Date Placeholder 3">
-            <a:extLst>
-              <a:ext uri="{FF2B5EF4-FFF2-40B4-BE49-F238E27FC236}">
-                <a16:creationId xmlns:a16="http://schemas.microsoft.com/office/drawing/2014/main" id="{91EAECBE-9648-C593-6322-8E98ECBC1225}"/>
-              </a:ext>
-            </a:extLst>
-          </p:cNvPr>
+          <p:cNvPr id="4" name="Date Placeholder 3"/>
           <p:cNvSpPr>
             <a:spLocks noGrp="1"/>
           </p:cNvSpPr>
@@ -2918,7 +2502,7 @@
           <a:p>
             <a:fld id="{6FACAE39-87E7-48CF-84DF-A344463EAE7B}" type="datetimeFigureOut">
               <a:rPr lang="en-US" smtClean="0"/>
-              <a:t>12/12/2025</a:t>
+              <a:t>12/15/2025</a:t>
             </a:fld>
             <a:endParaRPr lang="en-US"/>
           </a:p>
@@ -2926,13 +2510,7 @@
       </p:sp>
       <p:sp>
         <p:nvSpPr>
-          <p:cNvPr id="5" name="Footer Placeholder 4">
-            <a:extLst>
-              <a:ext uri="{FF2B5EF4-FFF2-40B4-BE49-F238E27FC236}">
-                <a16:creationId xmlns:a16="http://schemas.microsoft.com/office/drawing/2014/main" id="{4B4BDEC8-F61D-013E-F1D8-6F963B8F8484}"/>
-              </a:ext>
-            </a:extLst>
-          </p:cNvPr>
+          <p:cNvPr id="5" name="Footer Placeholder 4"/>
           <p:cNvSpPr>
             <a:spLocks noGrp="1"/>
           </p:cNvSpPr>
@@ -2969,13 +2547,7 @@
       </p:sp>
       <p:sp>
         <p:nvSpPr>
-          <p:cNvPr id="6" name="Slide Number Placeholder 5">
-            <a:extLst>
-              <a:ext uri="{FF2B5EF4-FFF2-40B4-BE49-F238E27FC236}">
-                <a16:creationId xmlns:a16="http://schemas.microsoft.com/office/drawing/2014/main" id="{7B6A4DC3-7CEF-A130-F372-6544402323E7}"/>
-              </a:ext>
-            </a:extLst>
-          </p:cNvPr>
+          <p:cNvPr id="6" name="Slide Number Placeholder 5"/>
           <p:cNvSpPr>
             <a:spLocks noGrp="1"/>
           </p:cNvSpPr>
@@ -3015,11 +2587,6 @@
         </p:txBody>
       </p:sp>
     </p:spTree>
-    <p:extLst>
-      <p:ext uri="{BB962C8B-B14F-4D97-AF65-F5344CB8AC3E}">
-        <p14:creationId xmlns:p14="http://schemas.microsoft.com/office/powerpoint/2010/main" val="4121415749"/>
-      </p:ext>
-    </p:extLst>
   </p:cSld>
   <p:clrMap bg1="lt1" tx1="dk1" bg2="lt2" tx2="dk2" accent1="accent1" accent2="accent2" accent3="accent3" accent4="accent4" accent5="accent5" accent6="accent6" hlink="hlink" folHlink="folHlink"/>
   <p:sldLayoutIdLst>
@@ -3337,13 +2904,7 @@
       </p:grpSpPr>
       <p:sp>
         <p:nvSpPr>
-          <p:cNvPr id="2" name="Title 1">
-            <a:extLst>
-              <a:ext uri="{FF2B5EF4-FFF2-40B4-BE49-F238E27FC236}">
-                <a16:creationId xmlns:a16="http://schemas.microsoft.com/office/drawing/2014/main" id="{22A7E49F-D020-1684-936A-4DCE748362D5}"/>
-              </a:ext>
-            </a:extLst>
-          </p:cNvPr>
+          <p:cNvPr id="2" name="Title 1"/>
           <p:cNvSpPr>
             <a:spLocks noGrp="1"/>
           </p:cNvSpPr>
@@ -3382,13 +2943,7 @@
       </p:sp>
       <p:sp>
         <p:nvSpPr>
-          <p:cNvPr id="3" name="Subtitle 2">
-            <a:extLst>
-              <a:ext uri="{FF2B5EF4-FFF2-40B4-BE49-F238E27FC236}">
-                <a16:creationId xmlns:a16="http://schemas.microsoft.com/office/drawing/2014/main" id="{F313D661-C450-2529-683A-CBFB5F3D502F}"/>
-              </a:ext>
-            </a:extLst>
-          </p:cNvPr>
+          <p:cNvPr id="3" name="Subtitle 2"/>
           <p:cNvSpPr>
             <a:spLocks noGrp="1"/>
           </p:cNvSpPr>
@@ -3434,11 +2989,6 @@
         </p:txBody>
       </p:sp>
     </p:spTree>
-    <p:extLst>
-      <p:ext uri="{BB962C8B-B14F-4D97-AF65-F5344CB8AC3E}">
-        <p14:creationId xmlns:p14="http://schemas.microsoft.com/office/powerpoint/2010/main" val="3346010573"/>
-      </p:ext>
-    </p:extLst>
   </p:cSld>
   <p:clrMapOvr>
     <a:masterClrMapping/>
@@ -3465,13 +3015,7 @@
       </p:grpSpPr>
       <p:sp>
         <p:nvSpPr>
-          <p:cNvPr id="2" name="Title 1">
-            <a:extLst>
-              <a:ext uri="{FF2B5EF4-FFF2-40B4-BE49-F238E27FC236}">
-                <a16:creationId xmlns:a16="http://schemas.microsoft.com/office/drawing/2014/main" id="{DF0DBE7E-4CB0-F14C-AA24-88356FBC1282}"/>
-              </a:ext>
-            </a:extLst>
-          </p:cNvPr>
+          <p:cNvPr id="2" name="Title 1"/>
           <p:cNvSpPr>
             <a:spLocks noGrp="1"/>
           </p:cNvSpPr>
@@ -3495,13 +3039,7 @@
       </p:sp>
       <p:sp>
         <p:nvSpPr>
-          <p:cNvPr id="3" name="Content Placeholder 2">
-            <a:extLst>
-              <a:ext uri="{FF2B5EF4-FFF2-40B4-BE49-F238E27FC236}">
-                <a16:creationId xmlns:a16="http://schemas.microsoft.com/office/drawing/2014/main" id="{935CA88E-B42D-6301-DDA0-22BB8C9DD7A3}"/>
-              </a:ext>
-            </a:extLst>
-          </p:cNvPr>
+          <p:cNvPr id="3" name="Content Placeholder 2"/>
           <p:cNvSpPr>
             <a:spLocks noGrp="1"/>
           </p:cNvSpPr>
@@ -3553,7 +3091,7 @@
             <a:pPr lvl="1"/>
             <a:r>
               <a:rPr lang="en-US" dirty="0"/>
-              <a:t>Visualizes True Positives (Churners correctly predicted) vs. False Negatives (Churners missed).</a:t>
+              <a:t>Visualizes true positives (Churners correctly predicted) vs. false negatives (Churners missed).</a:t>
             </a:r>
           </a:p>
           <a:p>
@@ -3562,11 +3100,6 @@
         </p:txBody>
       </p:sp>
     </p:spTree>
-    <p:extLst>
-      <p:ext uri="{BB962C8B-B14F-4D97-AF65-F5344CB8AC3E}">
-        <p14:creationId xmlns:p14="http://schemas.microsoft.com/office/powerpoint/2010/main" val="2887316801"/>
-      </p:ext>
-    </p:extLst>
   </p:cSld>
   <p:clrMapOvr>
     <a:masterClrMapping/>
@@ -3593,13 +3126,7 @@
       </p:grpSpPr>
       <p:sp>
         <p:nvSpPr>
-          <p:cNvPr id="2" name="Title 1">
-            <a:extLst>
-              <a:ext uri="{FF2B5EF4-FFF2-40B4-BE49-F238E27FC236}">
-                <a16:creationId xmlns:a16="http://schemas.microsoft.com/office/drawing/2014/main" id="{0F79765E-0A5A-C881-2775-9CA8255B8457}"/>
-              </a:ext>
-            </a:extLst>
-          </p:cNvPr>
+          <p:cNvPr id="2" name="Title 1"/>
           <p:cNvSpPr>
             <a:spLocks noGrp="1"/>
           </p:cNvSpPr>
@@ -3622,13 +3149,7 @@
       </p:sp>
       <p:pic>
         <p:nvPicPr>
-          <p:cNvPr id="5" name="Content Placeholder 4" descr="A graph with numbers and a number in blue squares&#10;&#10;AI-generated content may be incorrect.">
-            <a:extLst>
-              <a:ext uri="{FF2B5EF4-FFF2-40B4-BE49-F238E27FC236}">
-                <a16:creationId xmlns:a16="http://schemas.microsoft.com/office/drawing/2014/main" id="{0135B528-A6EF-EE68-995C-B5A75AB82845}"/>
-              </a:ext>
-            </a:extLst>
-          </p:cNvPr>
+          <p:cNvPr id="5" name="Content Placeholder 4" descr="A graph with numbers and a number in blue squares&#10;&#10;AI-generated content may be incorrect."/>
           <p:cNvPicPr>
             <a:picLocks noGrp="1" noChangeAspect="1"/>
           </p:cNvPicPr>
@@ -3654,13 +3175,7 @@
       </p:pic>
       <p:pic>
         <p:nvPicPr>
-          <p:cNvPr id="7" name="Picture 6" descr="A black screen with white text&#10;&#10;AI-generated content may be incorrect.">
-            <a:extLst>
-              <a:ext uri="{FF2B5EF4-FFF2-40B4-BE49-F238E27FC236}">
-                <a16:creationId xmlns:a16="http://schemas.microsoft.com/office/drawing/2014/main" id="{B9CBE076-B42A-906B-F0D8-A7F8CCF40708}"/>
-              </a:ext>
-            </a:extLst>
-          </p:cNvPr>
+          <p:cNvPr id="7" name="Picture 6" descr="A black screen with white text&#10;&#10;AI-generated content may be incorrect."/>
           <p:cNvPicPr>
             <a:picLocks noChangeAspect="1"/>
           </p:cNvPicPr>
@@ -3683,11 +3198,6 @@
         </p:spPr>
       </p:pic>
     </p:spTree>
-    <p:extLst>
-      <p:ext uri="{BB962C8B-B14F-4D97-AF65-F5344CB8AC3E}">
-        <p14:creationId xmlns:p14="http://schemas.microsoft.com/office/powerpoint/2010/main" val="2222138623"/>
-      </p:ext>
-    </p:extLst>
   </p:cSld>
   <p:clrMapOvr>
     <a:masterClrMapping/>
@@ -3714,13 +3224,7 @@
       </p:grpSpPr>
       <p:sp>
         <p:nvSpPr>
-          <p:cNvPr id="2" name="Title 1">
-            <a:extLst>
-              <a:ext uri="{FF2B5EF4-FFF2-40B4-BE49-F238E27FC236}">
-                <a16:creationId xmlns:a16="http://schemas.microsoft.com/office/drawing/2014/main" id="{3C8321BA-9E25-AAB2-51AB-908F7F374A27}"/>
-              </a:ext>
-            </a:extLst>
-          </p:cNvPr>
+          <p:cNvPr id="2" name="Title 1"/>
           <p:cNvSpPr>
             <a:spLocks noGrp="1"/>
           </p:cNvSpPr>
@@ -3744,13 +3248,7 @@
       </p:sp>
       <p:pic>
         <p:nvPicPr>
-          <p:cNvPr id="5" name="Content Placeholder 4" descr="A graph with numbers and a number in a row&#10;&#10;AI-generated content may be incorrect.">
-            <a:extLst>
-              <a:ext uri="{FF2B5EF4-FFF2-40B4-BE49-F238E27FC236}">
-                <a16:creationId xmlns:a16="http://schemas.microsoft.com/office/drawing/2014/main" id="{4014A90E-4200-928B-9585-2ABFB99B7CDA}"/>
-              </a:ext>
-            </a:extLst>
-          </p:cNvPr>
+          <p:cNvPr id="5" name="Content Placeholder 4" descr="A graph with numbers and a number in a row&#10;&#10;AI-generated content may be incorrect."/>
           <p:cNvPicPr>
             <a:picLocks noGrp="1" noChangeAspect="1"/>
           </p:cNvPicPr>
@@ -3776,13 +3274,7 @@
       </p:pic>
       <p:pic>
         <p:nvPicPr>
-          <p:cNvPr id="7" name="Picture 6" descr="A screen shot of a black background&#10;&#10;AI-generated content may be incorrect.">
-            <a:extLst>
-              <a:ext uri="{FF2B5EF4-FFF2-40B4-BE49-F238E27FC236}">
-                <a16:creationId xmlns:a16="http://schemas.microsoft.com/office/drawing/2014/main" id="{B5B34CF5-51B5-74FE-20CA-FD85EF958539}"/>
-              </a:ext>
-            </a:extLst>
-          </p:cNvPr>
+          <p:cNvPr id="7" name="Picture 6" descr="A screen shot of a black background&#10;&#10;AI-generated content may be incorrect."/>
           <p:cNvPicPr>
             <a:picLocks noChangeAspect="1"/>
           </p:cNvPicPr>
@@ -3805,11 +3297,6 @@
         </p:spPr>
       </p:pic>
     </p:spTree>
-    <p:extLst>
-      <p:ext uri="{BB962C8B-B14F-4D97-AF65-F5344CB8AC3E}">
-        <p14:creationId xmlns:p14="http://schemas.microsoft.com/office/powerpoint/2010/main" val="4014427299"/>
-      </p:ext>
-    </p:extLst>
   </p:cSld>
   <p:clrMapOvr>
     <a:masterClrMapping/>
@@ -3836,13 +3323,7 @@
       </p:grpSpPr>
       <p:sp>
         <p:nvSpPr>
-          <p:cNvPr id="2" name="Title 1">
-            <a:extLst>
-              <a:ext uri="{FF2B5EF4-FFF2-40B4-BE49-F238E27FC236}">
-                <a16:creationId xmlns:a16="http://schemas.microsoft.com/office/drawing/2014/main" id="{B9F00272-00AF-228B-DAAC-19672F23339D}"/>
-              </a:ext>
-            </a:extLst>
-          </p:cNvPr>
+          <p:cNvPr id="2" name="Title 1"/>
           <p:cNvSpPr>
             <a:spLocks noGrp="1"/>
           </p:cNvSpPr>
@@ -3866,13 +3347,7 @@
       </p:sp>
       <p:pic>
         <p:nvPicPr>
-          <p:cNvPr id="5" name="Content Placeholder 4" descr="A graph with different colored bars&#10;&#10;AI-generated content may be incorrect.">
-            <a:extLst>
-              <a:ext uri="{FF2B5EF4-FFF2-40B4-BE49-F238E27FC236}">
-                <a16:creationId xmlns:a16="http://schemas.microsoft.com/office/drawing/2014/main" id="{768BF758-676F-B1F7-06AB-BED0E6901334}"/>
-              </a:ext>
-            </a:extLst>
-          </p:cNvPr>
+          <p:cNvPr id="5" name="Content Placeholder 4" descr="A graph with different colored bars&#10;&#10;AI-generated content may be incorrect."/>
           <p:cNvPicPr>
             <a:picLocks noGrp="1" noChangeAspect="1"/>
           </p:cNvPicPr>
@@ -3897,11 +3372,6 @@
         </p:spPr>
       </p:pic>
     </p:spTree>
-    <p:extLst>
-      <p:ext uri="{BB962C8B-B14F-4D97-AF65-F5344CB8AC3E}">
-        <p14:creationId xmlns:p14="http://schemas.microsoft.com/office/powerpoint/2010/main" val="1013119389"/>
-      </p:ext>
-    </p:extLst>
   </p:cSld>
   <p:clrMapOvr>
     <a:masterClrMapping/>
@@ -3928,13 +3398,7 @@
       </p:grpSpPr>
       <p:sp>
         <p:nvSpPr>
-          <p:cNvPr id="2" name="Title 1">
-            <a:extLst>
-              <a:ext uri="{FF2B5EF4-FFF2-40B4-BE49-F238E27FC236}">
-                <a16:creationId xmlns:a16="http://schemas.microsoft.com/office/drawing/2014/main" id="{8D1C5395-BF90-B243-3FF6-73B0E58AC667}"/>
-              </a:ext>
-            </a:extLst>
-          </p:cNvPr>
+          <p:cNvPr id="2" name="Title 1"/>
           <p:cNvSpPr>
             <a:spLocks noGrp="1"/>
           </p:cNvSpPr>
@@ -3958,13 +3422,7 @@
       </p:sp>
       <p:pic>
         <p:nvPicPr>
-          <p:cNvPr id="5" name="Content Placeholder 4" descr="A screenshot of a computer&#10;&#10;AI-generated content may be incorrect.">
-            <a:extLst>
-              <a:ext uri="{FF2B5EF4-FFF2-40B4-BE49-F238E27FC236}">
-                <a16:creationId xmlns:a16="http://schemas.microsoft.com/office/drawing/2014/main" id="{F09504C6-79E5-3F4D-F6E0-4FCD6B0CD6A4}"/>
-              </a:ext>
-            </a:extLst>
-          </p:cNvPr>
+          <p:cNvPr id="5" name="Content Placeholder 4" descr="A screenshot of a computer&#10;&#10;AI-generated content may be incorrect."/>
           <p:cNvPicPr>
             <a:picLocks noGrp="1" noChangeAspect="1"/>
           </p:cNvPicPr>
@@ -3989,11 +3447,6 @@
         </p:spPr>
       </p:pic>
     </p:spTree>
-    <p:extLst>
-      <p:ext uri="{BB962C8B-B14F-4D97-AF65-F5344CB8AC3E}">
-        <p14:creationId xmlns:p14="http://schemas.microsoft.com/office/powerpoint/2010/main" val="680358927"/>
-      </p:ext>
-    </p:extLst>
   </p:cSld>
   <p:clrMapOvr>
     <a:masterClrMapping/>
@@ -4020,13 +3473,7 @@
       </p:grpSpPr>
       <p:sp>
         <p:nvSpPr>
-          <p:cNvPr id="2" name="Title 1">
-            <a:extLst>
-              <a:ext uri="{FF2B5EF4-FFF2-40B4-BE49-F238E27FC236}">
-                <a16:creationId xmlns:a16="http://schemas.microsoft.com/office/drawing/2014/main" id="{91D387B5-01BF-E95B-5B1C-D4552ED8434A}"/>
-              </a:ext>
-            </a:extLst>
-          </p:cNvPr>
+          <p:cNvPr id="2" name="Title 1"/>
           <p:cNvSpPr>
             <a:spLocks noGrp="1"/>
           </p:cNvSpPr>
@@ -4050,13 +3497,7 @@
       </p:sp>
       <p:sp>
         <p:nvSpPr>
-          <p:cNvPr id="3" name="Content Placeholder 2">
-            <a:extLst>
-              <a:ext uri="{FF2B5EF4-FFF2-40B4-BE49-F238E27FC236}">
-                <a16:creationId xmlns:a16="http://schemas.microsoft.com/office/drawing/2014/main" id="{AC625713-EDF0-4E80-B372-A673353DF875}"/>
-              </a:ext>
-            </a:extLst>
-          </p:cNvPr>
+          <p:cNvPr id="3" name="Content Placeholder 2"/>
           <p:cNvSpPr>
             <a:spLocks noGrp="1"/>
           </p:cNvSpPr>
@@ -4083,7 +3524,7 @@
             </a:r>
             <a:r>
               <a:rPr lang="en-US" dirty="0"/>
-              <a:t> Incentivize Month-to-month users to switch to 1-Year contracts (e.g., offer a discount).</a:t>
+              <a:t> Encourage month-to-month users to switch to 1-Year contracts (e.g., offer a discount).</a:t>
             </a:r>
           </a:p>
           <a:p>
@@ -4105,15 +3546,7 @@
             </a:r>
             <a:r>
               <a:rPr lang="en-US" dirty="0"/>
-              <a:t> The marketing team should immediately contact the </a:t>
-            </a:r>
-            <a:r>
-              <a:rPr lang="en-US" b="1" dirty="0"/>
-              <a:t>1,356 High-Risk customers</a:t>
-            </a:r>
-            <a:r>
-              <a:rPr lang="en-US" dirty="0"/>
-              <a:t> identified in the dashboard.</a:t>
+              <a:t> The marketing team should immediately contact the 1,356 High-Risk customers identified in the dashboard.</a:t>
             </a:r>
           </a:p>
           <a:p>
@@ -4133,11 +3566,6 @@
         </p:txBody>
       </p:sp>
     </p:spTree>
-    <p:extLst>
-      <p:ext uri="{BB962C8B-B14F-4D97-AF65-F5344CB8AC3E}">
-        <p14:creationId xmlns:p14="http://schemas.microsoft.com/office/powerpoint/2010/main" val="1861682602"/>
-      </p:ext>
-    </p:extLst>
   </p:cSld>
   <p:clrMapOvr>
     <a:masterClrMapping/>
@@ -4164,13 +3592,7 @@
       </p:grpSpPr>
       <p:sp>
         <p:nvSpPr>
-          <p:cNvPr id="2" name="Title 1">
-            <a:extLst>
-              <a:ext uri="{FF2B5EF4-FFF2-40B4-BE49-F238E27FC236}">
-                <a16:creationId xmlns:a16="http://schemas.microsoft.com/office/drawing/2014/main" id="{1C13AC8E-AF28-C344-F6F2-4CD28730FF8B}"/>
-              </a:ext>
-            </a:extLst>
-          </p:cNvPr>
+          <p:cNvPr id="2" name="Title 1"/>
           <p:cNvSpPr>
             <a:spLocks noGrp="1"/>
           </p:cNvSpPr>
@@ -4193,13 +3615,7 @@
       </p:sp>
       <p:sp>
         <p:nvSpPr>
-          <p:cNvPr id="3" name="Content Placeholder 2">
-            <a:extLst>
-              <a:ext uri="{FF2B5EF4-FFF2-40B4-BE49-F238E27FC236}">
-                <a16:creationId xmlns:a16="http://schemas.microsoft.com/office/drawing/2014/main" id="{A4A8D0E9-C9C0-18CD-D49E-7F70300DE58B}"/>
-              </a:ext>
-            </a:extLst>
-          </p:cNvPr>
+          <p:cNvPr id="3" name="Content Placeholder 2"/>
           <p:cNvSpPr>
             <a:spLocks noGrp="1"/>
           </p:cNvSpPr>
@@ -4289,11 +3705,6 @@
         </p:txBody>
       </p:sp>
     </p:spTree>
-    <p:extLst>
-      <p:ext uri="{BB962C8B-B14F-4D97-AF65-F5344CB8AC3E}">
-        <p14:creationId xmlns:p14="http://schemas.microsoft.com/office/powerpoint/2010/main" val="1032395158"/>
-      </p:ext>
-    </p:extLst>
   </p:cSld>
   <p:clrMapOvr>
     <a:masterClrMapping/>
@@ -4320,13 +3731,7 @@
       </p:grpSpPr>
       <p:sp>
         <p:nvSpPr>
-          <p:cNvPr id="2" name="Title 1">
-            <a:extLst>
-              <a:ext uri="{FF2B5EF4-FFF2-40B4-BE49-F238E27FC236}">
-                <a16:creationId xmlns:a16="http://schemas.microsoft.com/office/drawing/2014/main" id="{EF4783E3-B786-7DEE-F809-D2AEE179F7EB}"/>
-              </a:ext>
-            </a:extLst>
-          </p:cNvPr>
+          <p:cNvPr id="2" name="Title 1"/>
           <p:cNvSpPr>
             <a:spLocks noGrp="1"/>
           </p:cNvSpPr>
@@ -4349,13 +3754,7 @@
       </p:sp>
       <p:sp>
         <p:nvSpPr>
-          <p:cNvPr id="3" name="Content Placeholder 2">
-            <a:extLst>
-              <a:ext uri="{FF2B5EF4-FFF2-40B4-BE49-F238E27FC236}">
-                <a16:creationId xmlns:a16="http://schemas.microsoft.com/office/drawing/2014/main" id="{49BAA05C-4B63-357E-5312-72E7190877C6}"/>
-              </a:ext>
-            </a:extLst>
-          </p:cNvPr>
+          <p:cNvPr id="3" name="Content Placeholder 2"/>
           <p:cNvSpPr>
             <a:spLocks noGrp="1"/>
           </p:cNvSpPr>
@@ -4382,15 +3781,7 @@
             </a:r>
             <a:r>
               <a:rPr lang="en-US" dirty="0"/>
-              <a:t> Handled missing values in the </a:t>
-            </a:r>
-            <a:r>
-              <a:rPr lang="en-US" dirty="0" err="1"/>
-              <a:t>TotalCharges</a:t>
-            </a:r>
-            <a:r>
-              <a:rPr lang="en-US" dirty="0"/>
-              <a:t> column (converted to numeric).</a:t>
+              <a:t> Handled missing values in the TotalCharges column (converted to numeric).</a:t>
             </a:r>
           </a:p>
           <a:p>
@@ -4420,15 +3811,7 @@
             </a:r>
             <a:r>
               <a:rPr lang="en-US" dirty="0"/>
-              <a:t>) using </a:t>
-            </a:r>
-            <a:r>
-              <a:rPr lang="en-US" dirty="0" err="1"/>
-              <a:t>StandardScaler</a:t>
-            </a:r>
-            <a:r>
-              <a:rPr lang="en-US" dirty="0"/>
-              <a:t>.</a:t>
+              <a:t>) using StandardScaler.</a:t>
             </a:r>
           </a:p>
           <a:p>
@@ -4443,16 +3826,32 @@
             </a:r>
           </a:p>
           <a:p>
+            <a:pPr lvl="1"/>
             <a:endParaRPr lang="en-US" dirty="0"/>
           </a:p>
+          <a:p>
+            <a:pPr lvl="1"/>
+            <a:r>
+              <a:rPr lang="en-US" b="1" dirty="0"/>
+              <a:t>NB:</a:t>
+            </a:r>
+            <a:r>
+              <a:rPr lang="en-US" dirty="0"/>
+              <a:t> Churn refers to the rate at which customers stop using the product or service over a given period of time.</a:t>
+            </a:r>
+          </a:p>
+          <a:p>
+            <a:pPr marL="457200" lvl="1" indent="0">
+              <a:buNone/>
+            </a:pPr>
+            <a:endParaRPr lang="en-US" dirty="0"/>
+          </a:p>
+          <a:p>
+            <a:endParaRPr lang="en-US" dirty="0"/>
+          </a:p>
         </p:txBody>
       </p:sp>
     </p:spTree>
-    <p:extLst>
-      <p:ext uri="{BB962C8B-B14F-4D97-AF65-F5344CB8AC3E}">
-        <p14:creationId xmlns:p14="http://schemas.microsoft.com/office/powerpoint/2010/main" val="742411472"/>
-      </p:ext>
-    </p:extLst>
   </p:cSld>
   <p:clrMapOvr>
     <a:masterClrMapping/>
@@ -4479,13 +3878,7 @@
       </p:grpSpPr>
       <p:sp>
         <p:nvSpPr>
-          <p:cNvPr id="2" name="Title 1">
-            <a:extLst>
-              <a:ext uri="{FF2B5EF4-FFF2-40B4-BE49-F238E27FC236}">
-                <a16:creationId xmlns:a16="http://schemas.microsoft.com/office/drawing/2014/main" id="{D2F40F48-E9B6-9D9A-A791-44B2CA9E1205}"/>
-              </a:ext>
-            </a:extLst>
-          </p:cNvPr>
+          <p:cNvPr id="2" name="Title 1"/>
           <p:cNvSpPr>
             <a:spLocks noGrp="1"/>
           </p:cNvSpPr>
@@ -4508,13 +3901,7 @@
       </p:sp>
       <p:pic>
         <p:nvPicPr>
-          <p:cNvPr id="5" name="Content Placeholder 4" descr="A screenshot of a black board with numbers&#10;&#10;AI-generated content may be incorrect.">
-            <a:extLst>
-              <a:ext uri="{FF2B5EF4-FFF2-40B4-BE49-F238E27FC236}">
-                <a16:creationId xmlns:a16="http://schemas.microsoft.com/office/drawing/2014/main" id="{A1B37A04-5EAA-AAA0-A2B9-B8C1448B55B5}"/>
-              </a:ext>
-            </a:extLst>
-          </p:cNvPr>
+          <p:cNvPr id="5" name="Content Placeholder 4" descr="A screenshot of a black board with numbers&#10;&#10;AI-generated content may be incorrect."/>
           <p:cNvPicPr>
             <a:picLocks noGrp="1" noChangeAspect="1"/>
           </p:cNvPicPr>
@@ -4539,11 +3926,6 @@
         </p:spPr>
       </p:pic>
     </p:spTree>
-    <p:extLst>
-      <p:ext uri="{BB962C8B-B14F-4D97-AF65-F5344CB8AC3E}">
-        <p14:creationId xmlns:p14="http://schemas.microsoft.com/office/powerpoint/2010/main" val="1389532252"/>
-      </p:ext>
-    </p:extLst>
   </p:cSld>
   <p:clrMapOvr>
     <a:masterClrMapping/>
@@ -4570,13 +3952,7 @@
       </p:grpSpPr>
       <p:sp>
         <p:nvSpPr>
-          <p:cNvPr id="2" name="Title 1">
-            <a:extLst>
-              <a:ext uri="{FF2B5EF4-FFF2-40B4-BE49-F238E27FC236}">
-                <a16:creationId xmlns:a16="http://schemas.microsoft.com/office/drawing/2014/main" id="{C9D11FA4-06A5-964F-F200-0ED3908EA70A}"/>
-              </a:ext>
-            </a:extLst>
-          </p:cNvPr>
+          <p:cNvPr id="2" name="Title 1"/>
           <p:cNvSpPr>
             <a:spLocks noGrp="1"/>
           </p:cNvSpPr>
@@ -4602,13 +3978,7 @@
       </p:sp>
       <p:pic>
         <p:nvPicPr>
-          <p:cNvPr id="5" name="Content Placeholder 4" descr="A comparison of a graph&#10;&#10;AI-generated content may be incorrect.">
-            <a:extLst>
-              <a:ext uri="{FF2B5EF4-FFF2-40B4-BE49-F238E27FC236}">
-                <a16:creationId xmlns:a16="http://schemas.microsoft.com/office/drawing/2014/main" id="{C0198994-3567-43AE-24DF-91E5ADD06C04}"/>
-              </a:ext>
-            </a:extLst>
-          </p:cNvPr>
+          <p:cNvPr id="5" name="Content Placeholder 4" descr="A comparison of a graph&#10;&#10;AI-generated content may be incorrect."/>
           <p:cNvPicPr>
             <a:picLocks noGrp="1" noChangeAspect="1"/>
           </p:cNvPicPr>
@@ -4633,11 +4003,6 @@
         </p:spPr>
       </p:pic>
     </p:spTree>
-    <p:extLst>
-      <p:ext uri="{BB962C8B-B14F-4D97-AF65-F5344CB8AC3E}">
-        <p14:creationId xmlns:p14="http://schemas.microsoft.com/office/powerpoint/2010/main" val="779594007"/>
-      </p:ext>
-    </p:extLst>
   </p:cSld>
   <p:clrMapOvr>
     <a:masterClrMapping/>
@@ -4664,13 +4029,7 @@
       </p:grpSpPr>
       <p:sp>
         <p:nvSpPr>
-          <p:cNvPr id="2" name="Title 1">
-            <a:extLst>
-              <a:ext uri="{FF2B5EF4-FFF2-40B4-BE49-F238E27FC236}">
-                <a16:creationId xmlns:a16="http://schemas.microsoft.com/office/drawing/2014/main" id="{919A0DA0-CC4E-0787-7C88-2F6F481ED6FF}"/>
-              </a:ext>
-            </a:extLst>
-          </p:cNvPr>
+          <p:cNvPr id="2" name="Title 1"/>
           <p:cNvSpPr>
             <a:spLocks noGrp="1"/>
           </p:cNvSpPr>
@@ -4694,13 +4053,7 @@
       </p:sp>
       <p:sp>
         <p:nvSpPr>
-          <p:cNvPr id="3" name="Content Placeholder 2">
-            <a:extLst>
-              <a:ext uri="{FF2B5EF4-FFF2-40B4-BE49-F238E27FC236}">
-                <a16:creationId xmlns:a16="http://schemas.microsoft.com/office/drawing/2014/main" id="{1D084B05-3A51-AB63-3880-319925851EAD}"/>
-              </a:ext>
-            </a:extLst>
-          </p:cNvPr>
+          <p:cNvPr id="3" name="Content Placeholder 2"/>
           <p:cNvSpPr>
             <a:spLocks noGrp="1"/>
           </p:cNvSpPr>
@@ -4723,7 +4076,7 @@
             <a:pPr lvl="1"/>
             <a:r>
               <a:rPr lang="en-US" dirty="0"/>
-              <a:t>Customers on month-to-month contracts have a drastically higher churn rate compared to One-year or Two-year contracts.</a:t>
+              <a:t>Customers on month-to-month contracts have a significantly higher churn rate compared to one-year or two-year contracts.</a:t>
             </a:r>
           </a:p>
           <a:p>
@@ -4744,11 +4097,11 @@
             <a:pPr lvl="1"/>
             <a:r>
               <a:rPr lang="en-US" dirty="0"/>
-              <a:t>Positive correlation between </a:t>
+              <a:t>Positive correlation between m</a:t>
             </a:r>
             <a:r>
               <a:rPr lang="en-US" dirty="0" err="1"/>
-              <a:t>MonthlyCharges</a:t>
+              <a:t>onthlyCharges</a:t>
             </a:r>
             <a:r>
               <a:rPr lang="en-US" dirty="0"/>
@@ -4764,11 +4117,6 @@
         </p:txBody>
       </p:sp>
     </p:spTree>
-    <p:extLst>
-      <p:ext uri="{BB962C8B-B14F-4D97-AF65-F5344CB8AC3E}">
-        <p14:creationId xmlns:p14="http://schemas.microsoft.com/office/powerpoint/2010/main" val="1801382191"/>
-      </p:ext>
-    </p:extLst>
   </p:cSld>
   <p:clrMapOvr>
     <a:masterClrMapping/>
@@ -4795,13 +4143,7 @@
       </p:grpSpPr>
       <p:sp>
         <p:nvSpPr>
-          <p:cNvPr id="2" name="Title 1">
-            <a:extLst>
-              <a:ext uri="{FF2B5EF4-FFF2-40B4-BE49-F238E27FC236}">
-                <a16:creationId xmlns:a16="http://schemas.microsoft.com/office/drawing/2014/main" id="{8D2EC7DC-35E5-FBCD-9B07-2855F46C9632}"/>
-              </a:ext>
-            </a:extLst>
-          </p:cNvPr>
+          <p:cNvPr id="2" name="Title 1"/>
           <p:cNvSpPr>
             <a:spLocks noGrp="1"/>
           </p:cNvSpPr>
@@ -4825,13 +4167,7 @@
       </p:sp>
       <p:pic>
         <p:nvPicPr>
-          <p:cNvPr id="5" name="Content Placeholder 4" descr="A graph of a number of blue and green bars&#10;&#10;AI-generated content may be incorrect.">
-            <a:extLst>
-              <a:ext uri="{FF2B5EF4-FFF2-40B4-BE49-F238E27FC236}">
-                <a16:creationId xmlns:a16="http://schemas.microsoft.com/office/drawing/2014/main" id="{C6235E25-AB73-98D7-EDA3-439CF37C0472}"/>
-              </a:ext>
-            </a:extLst>
-          </p:cNvPr>
+          <p:cNvPr id="5" name="Content Placeholder 4" descr="A graph of a number of blue and green bars&#10;&#10;AI-generated content may be incorrect."/>
           <p:cNvPicPr>
             <a:picLocks noGrp="1" noChangeAspect="1"/>
           </p:cNvPicPr>
@@ -4856,11 +4192,6 @@
         </p:spPr>
       </p:pic>
     </p:spTree>
-    <p:extLst>
-      <p:ext uri="{BB962C8B-B14F-4D97-AF65-F5344CB8AC3E}">
-        <p14:creationId xmlns:p14="http://schemas.microsoft.com/office/powerpoint/2010/main" val="2374003875"/>
-      </p:ext>
-    </p:extLst>
   </p:cSld>
   <p:clrMapOvr>
     <a:masterClrMapping/>
@@ -4887,13 +4218,7 @@
       </p:grpSpPr>
       <p:sp>
         <p:nvSpPr>
-          <p:cNvPr id="2" name="Title 1">
-            <a:extLst>
-              <a:ext uri="{FF2B5EF4-FFF2-40B4-BE49-F238E27FC236}">
-                <a16:creationId xmlns:a16="http://schemas.microsoft.com/office/drawing/2014/main" id="{B20C2FE2-BBAD-461D-C43F-1E64D94A1C23}"/>
-              </a:ext>
-            </a:extLst>
-          </p:cNvPr>
+          <p:cNvPr id="2" name="Title 1"/>
           <p:cNvSpPr>
             <a:spLocks noGrp="1"/>
           </p:cNvSpPr>
@@ -4916,13 +4241,7 @@
       </p:sp>
       <p:pic>
         <p:nvPicPr>
-          <p:cNvPr id="5" name="Content Placeholder 4" descr="A grid of red and blue squares&#10;&#10;AI-generated content may be incorrect.">
-            <a:extLst>
-              <a:ext uri="{FF2B5EF4-FFF2-40B4-BE49-F238E27FC236}">
-                <a16:creationId xmlns:a16="http://schemas.microsoft.com/office/drawing/2014/main" id="{34778AA7-06E6-76E6-DCA1-A376EC1EE26E}"/>
-              </a:ext>
-            </a:extLst>
-          </p:cNvPr>
+          <p:cNvPr id="5" name="Content Placeholder 4" descr="A grid of red and blue squares&#10;&#10;AI-generated content may be incorrect."/>
           <p:cNvPicPr>
             <a:picLocks noGrp="1" noChangeAspect="1"/>
           </p:cNvPicPr>
@@ -4947,11 +4266,6 @@
         </p:spPr>
       </p:pic>
     </p:spTree>
-    <p:extLst>
-      <p:ext uri="{BB962C8B-B14F-4D97-AF65-F5344CB8AC3E}">
-        <p14:creationId xmlns:p14="http://schemas.microsoft.com/office/powerpoint/2010/main" val="1682434912"/>
-      </p:ext>
-    </p:extLst>
   </p:cSld>
   <p:clrMapOvr>
     <a:masterClrMapping/>
@@ -4978,13 +4292,7 @@
       </p:grpSpPr>
       <p:sp>
         <p:nvSpPr>
-          <p:cNvPr id="2" name="Title 1">
-            <a:extLst>
-              <a:ext uri="{FF2B5EF4-FFF2-40B4-BE49-F238E27FC236}">
-                <a16:creationId xmlns:a16="http://schemas.microsoft.com/office/drawing/2014/main" id="{721A6714-0B3B-5BEA-692B-108359CB30E1}"/>
-              </a:ext>
-            </a:extLst>
-          </p:cNvPr>
+          <p:cNvPr id="2" name="Title 1"/>
           <p:cNvSpPr>
             <a:spLocks noGrp="1"/>
           </p:cNvSpPr>
@@ -5008,13 +4316,7 @@
       </p:sp>
       <p:sp>
         <p:nvSpPr>
-          <p:cNvPr id="3" name="Content Placeholder 2">
-            <a:extLst>
-              <a:ext uri="{FF2B5EF4-FFF2-40B4-BE49-F238E27FC236}">
-                <a16:creationId xmlns:a16="http://schemas.microsoft.com/office/drawing/2014/main" id="{EAA3C955-89EF-BDBA-B923-F460371771CE}"/>
-              </a:ext>
-            </a:extLst>
-          </p:cNvPr>
+          <p:cNvPr id="3" name="Content Placeholder 2"/>
           <p:cNvSpPr>
             <a:spLocks noGrp="1"/>
           </p:cNvSpPr>
@@ -5074,11 +4376,6 @@
         </p:txBody>
       </p:sp>
     </p:spTree>
-    <p:extLst>
-      <p:ext uri="{BB962C8B-B14F-4D97-AF65-F5344CB8AC3E}">
-        <p14:creationId xmlns:p14="http://schemas.microsoft.com/office/powerpoint/2010/main" val="2444361473"/>
-      </p:ext>
-    </p:extLst>
   </p:cSld>
   <p:clrMapOvr>
     <a:masterClrMapping/>
@@ -5129,7 +4426,7 @@
     </a:clrScheme>
     <a:fontScheme name="Office">
       <a:majorFont>
-        <a:latin typeface="Calibri Light" panose="020F0302020204030204"/>
+        <a:latin typeface="Calibri Light"/>
         <a:ea typeface=""/>
         <a:cs typeface=""/>
         <a:font script="Jpan" typeface="游ゴシック Light"/>
@@ -5162,26 +4459,9 @@
         <a:font script="Viet" typeface="Times New Roman"/>
         <a:font script="Uigh" typeface="Microsoft Uighur"/>
         <a:font script="Geor" typeface="Sylfaen"/>
-        <a:font script="Armn" typeface="Arial"/>
-        <a:font script="Bugi" typeface="Leelawadee UI"/>
-        <a:font script="Bopo" typeface="Microsoft JhengHei"/>
-        <a:font script="Java" typeface="Javanese Text"/>
-        <a:font script="Lisu" typeface="Segoe UI"/>
-        <a:font script="Mymr" typeface="Myanmar Text"/>
-        <a:font script="Nkoo" typeface="Ebrima"/>
-        <a:font script="Olck" typeface="Nirmala UI"/>
-        <a:font script="Osma" typeface="Ebrima"/>
-        <a:font script="Phag" typeface="Phagspa"/>
-        <a:font script="Syrn" typeface="Estrangelo Edessa"/>
-        <a:font script="Syrj" typeface="Estrangelo Edessa"/>
-        <a:font script="Syre" typeface="Estrangelo Edessa"/>
-        <a:font script="Sora" typeface="Nirmala UI"/>
-        <a:font script="Tale" typeface="Microsoft Tai Le"/>
-        <a:font script="Talu" typeface="Microsoft New Tai Lue"/>
-        <a:font script="Tfng" typeface="Ebrima"/>
       </a:majorFont>
       <a:minorFont>
-        <a:latin typeface="Calibri" panose="020F0502020204030204"/>
+        <a:latin typeface="Calibri"/>
         <a:ea typeface=""/>
         <a:cs typeface=""/>
         <a:font script="Jpan" typeface="游ゴシック"/>
@@ -5214,23 +4494,6 @@
         <a:font script="Viet" typeface="Arial"/>
         <a:font script="Uigh" typeface="Microsoft Uighur"/>
         <a:font script="Geor" typeface="Sylfaen"/>
-        <a:font script="Armn" typeface="Arial"/>
-        <a:font script="Bugi" typeface="Leelawadee UI"/>
-        <a:font script="Bopo" typeface="Microsoft JhengHei"/>
-        <a:font script="Java" typeface="Javanese Text"/>
-        <a:font script="Lisu" typeface="Segoe UI"/>
-        <a:font script="Mymr" typeface="Myanmar Text"/>
-        <a:font script="Nkoo" typeface="Ebrima"/>
-        <a:font script="Olck" typeface="Nirmala UI"/>
-        <a:font script="Osma" typeface="Ebrima"/>
-        <a:font script="Phag" typeface="Phagspa"/>
-        <a:font script="Syrn" typeface="Estrangelo Edessa"/>
-        <a:font script="Syrj" typeface="Estrangelo Edessa"/>
-        <a:font script="Syre" typeface="Estrangelo Edessa"/>
-        <a:font script="Sora" typeface="Nirmala UI"/>
-        <a:font script="Tale" typeface="Microsoft Tai Le"/>
-        <a:font script="Talu" typeface="Microsoft New Tai Lue"/>
-        <a:font script="Tfng" typeface="Ebrima"/>
       </a:minorFont>
     </a:fontScheme>
     <a:fmtScheme name="Office">
